--- a/09.Data-Structures-1.pptx
+++ b/09.Data-Structures-1.pptx
@@ -234,7 +234,7 @@
           <a:p>
             <a:fld id="{1A052DDE-B79B-4585-97B6-DCDE6083B029}" type="datetimeFigureOut">
               <a:rPr lang="bg-BG" smtClean="0"/>
-              <a:t>1.6.2015 г.</a:t>
+              <a:t>11.1.2016 г.</a:t>
             </a:fld>
             <a:endParaRPr lang="bg-BG"/>
           </a:p>
@@ -683,7 +683,7 @@
           <a:p>
             <a:fld id="{3EA744D9-3FBE-48D8-BF2A-85DF203E4D20}" type="datetimeFigureOut">
               <a:rPr lang="bg-BG" smtClean="0"/>
-              <a:t>1.6.2015 г.</a:t>
+              <a:t>11.1.2016 г.</a:t>
             </a:fld>
             <a:endParaRPr lang="bg-BG"/>
           </a:p>
@@ -853,7 +853,7 @@
           <a:p>
             <a:fld id="{3EA744D9-3FBE-48D8-BF2A-85DF203E4D20}" type="datetimeFigureOut">
               <a:rPr lang="bg-BG" smtClean="0"/>
-              <a:t>1.6.2015 г.</a:t>
+              <a:t>11.1.2016 г.</a:t>
             </a:fld>
             <a:endParaRPr lang="bg-BG"/>
           </a:p>
@@ -1033,7 +1033,7 @@
           <a:p>
             <a:fld id="{3EA744D9-3FBE-48D8-BF2A-85DF203E4D20}" type="datetimeFigureOut">
               <a:rPr lang="bg-BG" smtClean="0"/>
-              <a:t>1.6.2015 г.</a:t>
+              <a:t>11.1.2016 г.</a:t>
             </a:fld>
             <a:endParaRPr lang="bg-BG"/>
           </a:p>
@@ -1203,7 +1203,7 @@
           <a:p>
             <a:fld id="{3EA744D9-3FBE-48D8-BF2A-85DF203E4D20}" type="datetimeFigureOut">
               <a:rPr lang="bg-BG" smtClean="0"/>
-              <a:t>1.6.2015 г.</a:t>
+              <a:t>11.1.2016 г.</a:t>
             </a:fld>
             <a:endParaRPr lang="bg-BG"/>
           </a:p>
@@ -1449,7 +1449,7 @@
           <a:p>
             <a:fld id="{3EA744D9-3FBE-48D8-BF2A-85DF203E4D20}" type="datetimeFigureOut">
               <a:rPr lang="bg-BG" smtClean="0"/>
-              <a:t>1.6.2015 г.</a:t>
+              <a:t>11.1.2016 г.</a:t>
             </a:fld>
             <a:endParaRPr lang="bg-BG"/>
           </a:p>
@@ -1737,7 +1737,7 @@
           <a:p>
             <a:fld id="{3EA744D9-3FBE-48D8-BF2A-85DF203E4D20}" type="datetimeFigureOut">
               <a:rPr lang="bg-BG" smtClean="0"/>
-              <a:t>1.6.2015 г.</a:t>
+              <a:t>11.1.2016 г.</a:t>
             </a:fld>
             <a:endParaRPr lang="bg-BG"/>
           </a:p>
@@ -2159,7 +2159,7 @@
           <a:p>
             <a:fld id="{3EA744D9-3FBE-48D8-BF2A-85DF203E4D20}" type="datetimeFigureOut">
               <a:rPr lang="bg-BG" smtClean="0"/>
-              <a:t>1.6.2015 г.</a:t>
+              <a:t>11.1.2016 г.</a:t>
             </a:fld>
             <a:endParaRPr lang="bg-BG"/>
           </a:p>
@@ -2277,7 +2277,7 @@
           <a:p>
             <a:fld id="{3EA744D9-3FBE-48D8-BF2A-85DF203E4D20}" type="datetimeFigureOut">
               <a:rPr lang="bg-BG" smtClean="0"/>
-              <a:t>1.6.2015 г.</a:t>
+              <a:t>11.1.2016 г.</a:t>
             </a:fld>
             <a:endParaRPr lang="bg-BG"/>
           </a:p>
@@ -2372,7 +2372,7 @@
           <a:p>
             <a:fld id="{3EA744D9-3FBE-48D8-BF2A-85DF203E4D20}" type="datetimeFigureOut">
               <a:rPr lang="bg-BG" smtClean="0"/>
-              <a:t>1.6.2015 г.</a:t>
+              <a:t>11.1.2016 г.</a:t>
             </a:fld>
             <a:endParaRPr lang="bg-BG"/>
           </a:p>
@@ -2649,7 +2649,7 @@
           <a:p>
             <a:fld id="{3EA744D9-3FBE-48D8-BF2A-85DF203E4D20}" type="datetimeFigureOut">
               <a:rPr lang="bg-BG" smtClean="0"/>
-              <a:t>1.6.2015 г.</a:t>
+              <a:t>11.1.2016 г.</a:t>
             </a:fld>
             <a:endParaRPr lang="bg-BG"/>
           </a:p>
@@ -2902,7 +2902,7 @@
           <a:p>
             <a:fld id="{3EA744D9-3FBE-48D8-BF2A-85DF203E4D20}" type="datetimeFigureOut">
               <a:rPr lang="bg-BG" smtClean="0"/>
-              <a:t>1.6.2015 г.</a:t>
+              <a:t>11.1.2016 г.</a:t>
             </a:fld>
             <a:endParaRPr lang="bg-BG"/>
           </a:p>
@@ -3124,7 +3124,7 @@
           <a:p>
             <a:fld id="{3EA744D9-3FBE-48D8-BF2A-85DF203E4D20}" type="datetimeFigureOut">
               <a:rPr lang="bg-BG" smtClean="0"/>
-              <a:t>1.6.2015 г.</a:t>
+              <a:t>11.1.2016 г.</a:t>
             </a:fld>
             <a:endParaRPr lang="bg-BG"/>
           </a:p>
@@ -3817,6 +3817,13 @@
   <p:clrMapOvr>
     <a:masterClrMapping/>
   </p:clrMapOvr>
+  <p:timing>
+    <p:tnLst>
+      <p:par>
+        <p:cTn id="1" dur="indefinite" restart="never" nodeType="tmRoot"/>
+      </p:par>
+    </p:tnLst>
+  </p:timing>
 </p:sld>
 </file>
 
@@ -4079,6 +4086,13 @@
   <p:clrMapOvr>
     <a:masterClrMapping/>
   </p:clrMapOvr>
+  <p:timing>
+    <p:tnLst>
+      <p:par>
+        <p:cTn id="1" dur="indefinite" restart="never" nodeType="tmRoot"/>
+      </p:par>
+    </p:tnLst>
+  </p:timing>
 </p:sld>
 </file>
 
@@ -4364,6 +4378,13 @@
   <p:clrMapOvr>
     <a:masterClrMapping/>
   </p:clrMapOvr>
+  <p:timing>
+    <p:tnLst>
+      <p:par>
+        <p:cTn id="1" dur="indefinite" restart="never" nodeType="tmRoot"/>
+      </p:par>
+    </p:tnLst>
+  </p:timing>
 </p:sld>
 </file>
 
@@ -4545,6 +4566,13 @@
   <p:clrMapOvr>
     <a:masterClrMapping/>
   </p:clrMapOvr>
+  <p:timing>
+    <p:tnLst>
+      <p:par>
+        <p:cTn id="1" dur="indefinite" restart="never" nodeType="tmRoot"/>
+      </p:par>
+    </p:tnLst>
+  </p:timing>
 </p:sld>
 </file>
 
@@ -4692,6 +4720,13 @@
   <p:clrMapOvr>
     <a:masterClrMapping/>
   </p:clrMapOvr>
+  <p:timing>
+    <p:tnLst>
+      <p:par>
+        <p:cTn id="1" dur="indefinite" restart="never" nodeType="tmRoot"/>
+      </p:par>
+    </p:tnLst>
+  </p:timing>
 </p:sld>
 </file>
 
@@ -5071,6 +5106,13 @@
   <p:clrMapOvr>
     <a:masterClrMapping/>
   </p:clrMapOvr>
+  <p:timing>
+    <p:tnLst>
+      <p:par>
+        <p:cTn id="1" dur="indefinite" restart="never" nodeType="tmRoot"/>
+      </p:par>
+    </p:tnLst>
+  </p:timing>
 </p:sld>
 </file>
 
@@ -5176,6 +5218,13 @@
   <p:clrMapOvr>
     <a:masterClrMapping/>
   </p:clrMapOvr>
+  <p:timing>
+    <p:tnLst>
+      <p:par>
+        <p:cTn id="1" dur="indefinite" restart="never" nodeType="tmRoot"/>
+      </p:par>
+    </p:tnLst>
+  </p:timing>
 </p:sld>
 </file>
 
@@ -5312,6 +5361,13 @@
   <p:clrMapOvr>
     <a:masterClrMapping/>
   </p:clrMapOvr>
+  <p:timing>
+    <p:tnLst>
+      <p:par>
+        <p:cTn id="1" dur="indefinite" restart="never" nodeType="tmRoot"/>
+      </p:par>
+    </p:tnLst>
+  </p:timing>
 </p:sld>
 </file>
 
@@ -5658,6 +5714,13 @@
   <p:clrMapOvr>
     <a:masterClrMapping/>
   </p:clrMapOvr>
+  <p:timing>
+    <p:tnLst>
+      <p:par>
+        <p:cTn id="1" dur="indefinite" restart="never" nodeType="tmRoot"/>
+      </p:par>
+    </p:tnLst>
+  </p:timing>
 </p:sld>
 </file>
 
@@ -6150,6 +6213,13 @@
   <p:clrMapOvr>
     <a:masterClrMapping/>
   </p:clrMapOvr>
+  <p:timing>
+    <p:tnLst>
+      <p:par>
+        <p:cTn id="1" dur="indefinite" restart="never" nodeType="tmRoot"/>
+      </p:par>
+    </p:tnLst>
+  </p:timing>
 </p:sld>
 </file>
 
@@ -6281,6 +6351,13 @@
   <p:clrMapOvr>
     <a:masterClrMapping/>
   </p:clrMapOvr>
+  <p:timing>
+    <p:tnLst>
+      <p:par>
+        <p:cTn id="1" dur="indefinite" restart="never" nodeType="tmRoot"/>
+      </p:par>
+    </p:tnLst>
+  </p:timing>
 </p:sld>
 </file>
 
@@ -6350,7 +6427,12 @@
             <p:ph idx="1"/>
           </p:nvPr>
         </p:nvSpPr>
-        <p:spPr/>
+        <p:spPr>
+          <a:xfrm>
+            <a:off x="457200" y="1646237"/>
+            <a:ext cx="8229600" cy="4525963"/>
+          </a:xfrm>
+        </p:spPr>
         <p:txBody>
           <a:bodyPr/>
           <a:lstStyle/>
@@ -6416,6 +6498,13 @@
   <p:clrMapOvr>
     <a:masterClrMapping/>
   </p:clrMapOvr>
+  <p:timing>
+    <p:tnLst>
+      <p:par>
+        <p:cTn id="1" dur="indefinite" restart="never" nodeType="tmRoot"/>
+      </p:par>
+    </p:tnLst>
+  </p:timing>
 </p:sld>
 </file>
 
@@ -6633,6 +6722,13 @@
   <p:clrMapOvr>
     <a:masterClrMapping/>
   </p:clrMapOvr>
+  <p:timing>
+    <p:tnLst>
+      <p:par>
+        <p:cTn id="1" dur="indefinite" restart="never" nodeType="tmRoot"/>
+      </p:par>
+    </p:tnLst>
+  </p:timing>
 </p:sld>
 </file>
 
@@ -6737,6 +6833,13 @@
   <p:clrMapOvr>
     <a:masterClrMapping/>
   </p:clrMapOvr>
+  <p:timing>
+    <p:tnLst>
+      <p:par>
+        <p:cTn id="1" dur="indefinite" restart="never" nodeType="tmRoot"/>
+      </p:par>
+    </p:tnLst>
+  </p:timing>
 </p:sld>
 </file>
 
@@ -7414,11 +7517,6 @@
               </a:rPr>
               <a:t>3</a:t>
             </a:r>
-            <a:endParaRPr lang="ru-RU" sz="2000" dirty="0">
-              <a:solidFill>
-                <a:schemeClr val="accent6"/>
-              </a:solidFill>
-            </a:endParaRPr>
           </a:p>
         </p:txBody>
       </p:sp>
@@ -7705,6 +7803,13 @@
   <p:clrMapOvr>
     <a:masterClrMapping/>
   </p:clrMapOvr>
+  <p:timing>
+    <p:tnLst>
+      <p:par>
+        <p:cTn id="1" dur="indefinite" restart="never" nodeType="tmRoot"/>
+      </p:par>
+    </p:tnLst>
+  </p:timing>
 </p:sld>
 </file>
 
@@ -8316,11 +8421,6 @@
               </a:rPr>
               <a:t>] – индексатор, позволява достъп на елементите по подадена позиция </a:t>
             </a:r>
-            <a:endParaRPr lang="ru-RU" dirty="0">
-              <a:solidFill>
-                <a:schemeClr val="bg1"/>
-              </a:solidFill>
-            </a:endParaRPr>
           </a:p>
         </p:txBody>
       </p:sp>
